--- a/Report/Figure2.pptx
+++ b/Report/Figure2.pptx
@@ -5044,6 +5044,146 @@
             <a:r>
               <a:rPr lang="en-US" sz="1000" dirty="0"/>
               <a:t>Time</a:t>
+            </a:r>
+          </a:p>
+        </p:txBody>
+      </p:sp>
+      <p:sp>
+        <p:nvSpPr>
+          <p:cNvPr id="3" name="TextBox 2">
+            <a:extLst>
+              <a:ext uri="{FF2B5EF4-FFF2-40B4-BE49-F238E27FC236}">
+                <a16:creationId xmlns:a16="http://schemas.microsoft.com/office/drawing/2014/main" id="{062F9D26-E7A9-F9CE-12A0-8EE5E255657B}"/>
+              </a:ext>
+            </a:extLst>
+          </p:cNvPr>
+          <p:cNvSpPr txBox="1"/>
+          <p:nvPr/>
+        </p:nvSpPr>
+        <p:spPr>
+          <a:xfrm>
+            <a:off x="645792" y="2179697"/>
+            <a:ext cx="239168" cy="215444"/>
+          </a:xfrm>
+          <a:prstGeom prst="rect">
+            <a:avLst/>
+          </a:prstGeom>
+          <a:noFill/>
+        </p:spPr>
+        <p:txBody>
+          <a:bodyPr wrap="none" rtlCol="0">
+            <a:spAutoFit/>
+          </a:bodyPr>
+          <a:lstStyle/>
+          <a:p>
+            <a:r>
+              <a:rPr lang="en-US" sz="800" dirty="0"/>
+              <a:t>1</a:t>
+            </a:r>
+          </a:p>
+        </p:txBody>
+      </p:sp>
+      <p:sp>
+        <p:nvSpPr>
+          <p:cNvPr id="13" name="TextBox 12">
+            <a:extLst>
+              <a:ext uri="{FF2B5EF4-FFF2-40B4-BE49-F238E27FC236}">
+                <a16:creationId xmlns:a16="http://schemas.microsoft.com/office/drawing/2014/main" id="{AA615F14-73F5-4938-BCFB-B17FE27F4A0F}"/>
+              </a:ext>
+            </a:extLst>
+          </p:cNvPr>
+          <p:cNvSpPr txBox="1"/>
+          <p:nvPr/>
+        </p:nvSpPr>
+        <p:spPr>
+          <a:xfrm>
+            <a:off x="641317" y="2452370"/>
+            <a:ext cx="239168" cy="215444"/>
+          </a:xfrm>
+          <a:prstGeom prst="rect">
+            <a:avLst/>
+          </a:prstGeom>
+          <a:noFill/>
+        </p:spPr>
+        <p:txBody>
+          <a:bodyPr wrap="none" rtlCol="0">
+            <a:spAutoFit/>
+          </a:bodyPr>
+          <a:lstStyle/>
+          <a:p>
+            <a:r>
+              <a:rPr lang="en-US" sz="800" dirty="0"/>
+              <a:t>2</a:t>
+            </a:r>
+          </a:p>
+        </p:txBody>
+      </p:sp>
+      <p:sp>
+        <p:nvSpPr>
+          <p:cNvPr id="14" name="TextBox 13">
+            <a:extLst>
+              <a:ext uri="{FF2B5EF4-FFF2-40B4-BE49-F238E27FC236}">
+                <a16:creationId xmlns:a16="http://schemas.microsoft.com/office/drawing/2014/main" id="{C8478F3C-98C6-9025-13C0-D28A9A4D3E0D}"/>
+              </a:ext>
+            </a:extLst>
+          </p:cNvPr>
+          <p:cNvSpPr txBox="1"/>
+          <p:nvPr/>
+        </p:nvSpPr>
+        <p:spPr>
+          <a:xfrm>
+            <a:off x="639841" y="2758687"/>
+            <a:ext cx="239168" cy="215444"/>
+          </a:xfrm>
+          <a:prstGeom prst="rect">
+            <a:avLst/>
+          </a:prstGeom>
+          <a:noFill/>
+        </p:spPr>
+        <p:txBody>
+          <a:bodyPr wrap="none" rtlCol="0">
+            <a:spAutoFit/>
+          </a:bodyPr>
+          <a:lstStyle/>
+          <a:p>
+            <a:r>
+              <a:rPr lang="en-US" sz="800" dirty="0"/>
+              <a:t>3</a:t>
+            </a:r>
+          </a:p>
+        </p:txBody>
+      </p:sp>
+      <p:sp>
+        <p:nvSpPr>
+          <p:cNvPr id="37" name="TextBox 36">
+            <a:extLst>
+              <a:ext uri="{FF2B5EF4-FFF2-40B4-BE49-F238E27FC236}">
+                <a16:creationId xmlns:a16="http://schemas.microsoft.com/office/drawing/2014/main" id="{6B028E96-56D2-49F3-4C5B-BB20E45B6C48}"/>
+              </a:ext>
+            </a:extLst>
+          </p:cNvPr>
+          <p:cNvSpPr txBox="1"/>
+          <p:nvPr/>
+        </p:nvSpPr>
+        <p:spPr>
+          <a:xfrm>
+            <a:off x="639841" y="3047127"/>
+            <a:ext cx="239168" cy="215444"/>
+          </a:xfrm>
+          <a:prstGeom prst="rect">
+            <a:avLst/>
+          </a:prstGeom>
+          <a:noFill/>
+        </p:spPr>
+        <p:txBody>
+          <a:bodyPr wrap="none" rtlCol="0">
+            <a:spAutoFit/>
+          </a:bodyPr>
+          <a:lstStyle/>
+          <a:p>
+            <a:r>
+              <a:rPr lang="en-US" sz="800" dirty="0"/>
+              <a:t>4</a:t>
             </a:r>
           </a:p>
         </p:txBody>
